--- a/07 Testing with Jest.pptx
+++ b/07 Testing with Jest.pptx
@@ -219,7 +219,7 @@
           <a:p>
             <a:fld id="{B376EE29-1A90-1146-96FE-FD5979F1AFC2}" type="datetimeFigureOut">
               <a:rPr lang="en-US" smtClean="0"/>
-              <a:t>5/6/20</a:t>
+              <a:t>5/28/20</a:t>
             </a:fld>
             <a:endParaRPr lang="en-US"/>
           </a:p>
@@ -1725,7 +1725,7 @@
           <a:p>
             <a:fld id="{FAC8553D-62A4-B94A-B303-E17560B89933}" type="datetimeFigureOut">
               <a:rPr lang="en-US" smtClean="0"/>
-              <a:t>5/6/20</a:t>
+              <a:t>5/28/20</a:t>
             </a:fld>
             <a:endParaRPr lang="en-US"/>
           </a:p>
@@ -1923,7 +1923,7 @@
           <a:p>
             <a:fld id="{FAC8553D-62A4-B94A-B303-E17560B89933}" type="datetimeFigureOut">
               <a:rPr lang="en-US" smtClean="0"/>
-              <a:t>5/6/20</a:t>
+              <a:t>5/28/20</a:t>
             </a:fld>
             <a:endParaRPr lang="en-US"/>
           </a:p>
@@ -2131,7 +2131,7 @@
           <a:p>
             <a:fld id="{FAC8553D-62A4-B94A-B303-E17560B89933}" type="datetimeFigureOut">
               <a:rPr lang="en-US" smtClean="0"/>
-              <a:t>5/6/20</a:t>
+              <a:t>5/28/20</a:t>
             </a:fld>
             <a:endParaRPr lang="en-US"/>
           </a:p>
@@ -4761,7 +4761,7 @@
           <a:p>
             <a:fld id="{FAC8553D-62A4-B94A-B303-E17560B89933}" type="datetimeFigureOut">
               <a:rPr lang="en-US" smtClean="0"/>
-              <a:t>5/6/20</a:t>
+              <a:t>5/28/20</a:t>
             </a:fld>
             <a:endParaRPr lang="en-US"/>
           </a:p>
@@ -5036,7 +5036,7 @@
           <a:p>
             <a:fld id="{FAC8553D-62A4-B94A-B303-E17560B89933}" type="datetimeFigureOut">
               <a:rPr lang="en-US" smtClean="0"/>
-              <a:t>5/6/20</a:t>
+              <a:t>5/28/20</a:t>
             </a:fld>
             <a:endParaRPr lang="en-US"/>
           </a:p>
@@ -5301,7 +5301,7 @@
           <a:p>
             <a:fld id="{FAC8553D-62A4-B94A-B303-E17560B89933}" type="datetimeFigureOut">
               <a:rPr lang="en-US" smtClean="0"/>
-              <a:t>5/6/20</a:t>
+              <a:t>5/28/20</a:t>
             </a:fld>
             <a:endParaRPr lang="en-US"/>
           </a:p>
@@ -5713,7 +5713,7 @@
           <a:p>
             <a:fld id="{FAC8553D-62A4-B94A-B303-E17560B89933}" type="datetimeFigureOut">
               <a:rPr lang="en-US" smtClean="0"/>
-              <a:t>5/6/20</a:t>
+              <a:t>5/28/20</a:t>
             </a:fld>
             <a:endParaRPr lang="en-US"/>
           </a:p>
@@ -5854,7 +5854,7 @@
           <a:p>
             <a:fld id="{FAC8553D-62A4-B94A-B303-E17560B89933}" type="datetimeFigureOut">
               <a:rPr lang="en-US" smtClean="0"/>
-              <a:t>5/6/20</a:t>
+              <a:t>5/28/20</a:t>
             </a:fld>
             <a:endParaRPr lang="en-US"/>
           </a:p>
@@ -5967,7 +5967,7 @@
           <a:p>
             <a:fld id="{FAC8553D-62A4-B94A-B303-E17560B89933}" type="datetimeFigureOut">
               <a:rPr lang="en-US" smtClean="0"/>
-              <a:t>5/6/20</a:t>
+              <a:t>5/28/20</a:t>
             </a:fld>
             <a:endParaRPr lang="en-US"/>
           </a:p>
@@ -6278,7 +6278,7 @@
           <a:p>
             <a:fld id="{FAC8553D-62A4-B94A-B303-E17560B89933}" type="datetimeFigureOut">
               <a:rPr lang="en-US" smtClean="0"/>
-              <a:t>5/6/20</a:t>
+              <a:t>5/28/20</a:t>
             </a:fld>
             <a:endParaRPr lang="en-US"/>
           </a:p>
@@ -6566,7 +6566,7 @@
           <a:p>
             <a:fld id="{FAC8553D-62A4-B94A-B303-E17560B89933}" type="datetimeFigureOut">
               <a:rPr lang="en-US" smtClean="0"/>
-              <a:t>5/6/20</a:t>
+              <a:t>5/28/20</a:t>
             </a:fld>
             <a:endParaRPr lang="en-US"/>
           </a:p>
@@ -6819,7 +6819,7 @@
           <a:p>
             <a:fld id="{FAC8553D-62A4-B94A-B303-E17560B89933}" type="datetimeFigureOut">
               <a:rPr lang="en-US" smtClean="0"/>
-              <a:t>5/6/20</a:t>
+              <a:t>5/28/20</a:t>
             </a:fld>
             <a:endParaRPr lang="en-US"/>
           </a:p>
@@ -7608,10 +7608,10 @@
       </p:pic>
       <p:pic>
         <p:nvPicPr>
-          <p:cNvPr id="5" name="Picture 4">
+          <p:cNvPr id="3" name="Picture 2">
             <a:extLst>
               <a:ext uri="{FF2B5EF4-FFF2-40B4-BE49-F238E27FC236}">
-                <a16:creationId xmlns:a16="http://schemas.microsoft.com/office/drawing/2014/main" id="{28E1DBB6-08D7-AC40-A533-740E5BA10886}"/>
+                <a16:creationId xmlns:a16="http://schemas.microsoft.com/office/drawing/2014/main" id="{8315954F-CFF9-D949-9ED3-BAF112BB63B7}"/>
               </a:ext>
             </a:extLst>
           </p:cNvPr>
@@ -7628,8 +7628,8 @@
         </p:blipFill>
         <p:spPr>
           <a:xfrm>
-            <a:off x="93964" y="3942413"/>
-            <a:ext cx="12098036" cy="2228355"/>
+            <a:off x="-5105" y="3724576"/>
+            <a:ext cx="12192000" cy="2415396"/>
           </a:xfrm>
           <a:prstGeom prst="rect">
             <a:avLst/>

--- a/07 Testing with Jest.pptx
+++ b/07 Testing with Jest.pptx
@@ -219,7 +219,7 @@
           <a:p>
             <a:fld id="{B376EE29-1A90-1146-96FE-FD5979F1AFC2}" type="datetimeFigureOut">
               <a:rPr lang="en-US" smtClean="0"/>
-              <a:t>5/28/20</a:t>
+              <a:t>6/17/20</a:t>
             </a:fld>
             <a:endParaRPr lang="en-US"/>
           </a:p>
@@ -1725,7 +1725,7 @@
           <a:p>
             <a:fld id="{FAC8553D-62A4-B94A-B303-E17560B89933}" type="datetimeFigureOut">
               <a:rPr lang="en-US" smtClean="0"/>
-              <a:t>5/28/20</a:t>
+              <a:t>6/17/20</a:t>
             </a:fld>
             <a:endParaRPr lang="en-US"/>
           </a:p>
@@ -1923,7 +1923,7 @@
           <a:p>
             <a:fld id="{FAC8553D-62A4-B94A-B303-E17560B89933}" type="datetimeFigureOut">
               <a:rPr lang="en-US" smtClean="0"/>
-              <a:t>5/28/20</a:t>
+              <a:t>6/17/20</a:t>
             </a:fld>
             <a:endParaRPr lang="en-US"/>
           </a:p>
@@ -2131,7 +2131,7 @@
           <a:p>
             <a:fld id="{FAC8553D-62A4-B94A-B303-E17560B89933}" type="datetimeFigureOut">
               <a:rPr lang="en-US" smtClean="0"/>
-              <a:t>5/28/20</a:t>
+              <a:t>6/17/20</a:t>
             </a:fld>
             <a:endParaRPr lang="en-US"/>
           </a:p>
@@ -4761,7 +4761,7 @@
           <a:p>
             <a:fld id="{FAC8553D-62A4-B94A-B303-E17560B89933}" type="datetimeFigureOut">
               <a:rPr lang="en-US" smtClean="0"/>
-              <a:t>5/28/20</a:t>
+              <a:t>6/17/20</a:t>
             </a:fld>
             <a:endParaRPr lang="en-US"/>
           </a:p>
@@ -5036,7 +5036,7 @@
           <a:p>
             <a:fld id="{FAC8553D-62A4-B94A-B303-E17560B89933}" type="datetimeFigureOut">
               <a:rPr lang="en-US" smtClean="0"/>
-              <a:t>5/28/20</a:t>
+              <a:t>6/17/20</a:t>
             </a:fld>
             <a:endParaRPr lang="en-US"/>
           </a:p>
@@ -5301,7 +5301,7 @@
           <a:p>
             <a:fld id="{FAC8553D-62A4-B94A-B303-E17560B89933}" type="datetimeFigureOut">
               <a:rPr lang="en-US" smtClean="0"/>
-              <a:t>5/28/20</a:t>
+              <a:t>6/17/20</a:t>
             </a:fld>
             <a:endParaRPr lang="en-US"/>
           </a:p>
@@ -5713,7 +5713,7 @@
           <a:p>
             <a:fld id="{FAC8553D-62A4-B94A-B303-E17560B89933}" type="datetimeFigureOut">
               <a:rPr lang="en-US" smtClean="0"/>
-              <a:t>5/28/20</a:t>
+              <a:t>6/17/20</a:t>
             </a:fld>
             <a:endParaRPr lang="en-US"/>
           </a:p>
@@ -5854,7 +5854,7 @@
           <a:p>
             <a:fld id="{FAC8553D-62A4-B94A-B303-E17560B89933}" type="datetimeFigureOut">
               <a:rPr lang="en-US" smtClean="0"/>
-              <a:t>5/28/20</a:t>
+              <a:t>6/17/20</a:t>
             </a:fld>
             <a:endParaRPr lang="en-US"/>
           </a:p>
@@ -5967,7 +5967,7 @@
           <a:p>
             <a:fld id="{FAC8553D-62A4-B94A-B303-E17560B89933}" type="datetimeFigureOut">
               <a:rPr lang="en-US" smtClean="0"/>
-              <a:t>5/28/20</a:t>
+              <a:t>6/17/20</a:t>
             </a:fld>
             <a:endParaRPr lang="en-US"/>
           </a:p>
@@ -6278,7 +6278,7 @@
           <a:p>
             <a:fld id="{FAC8553D-62A4-B94A-B303-E17560B89933}" type="datetimeFigureOut">
               <a:rPr lang="en-US" smtClean="0"/>
-              <a:t>5/28/20</a:t>
+              <a:t>6/17/20</a:t>
             </a:fld>
             <a:endParaRPr lang="en-US"/>
           </a:p>
@@ -6566,7 +6566,7 @@
           <a:p>
             <a:fld id="{FAC8553D-62A4-B94A-B303-E17560B89933}" type="datetimeFigureOut">
               <a:rPr lang="en-US" smtClean="0"/>
-              <a:t>5/28/20</a:t>
+              <a:t>6/17/20</a:t>
             </a:fld>
             <a:endParaRPr lang="en-US"/>
           </a:p>
@@ -6819,7 +6819,7 @@
           <a:p>
             <a:fld id="{FAC8553D-62A4-B94A-B303-E17560B89933}" type="datetimeFigureOut">
               <a:rPr lang="en-US" smtClean="0"/>
-              <a:t>5/28/20</a:t>
+              <a:t>6/17/20</a:t>
             </a:fld>
             <a:endParaRPr lang="en-US"/>
           </a:p>

--- a/07 Testing with Jest.pptx
+++ b/07 Testing with Jest.pptx
@@ -219,7 +219,7 @@
           <a:p>
             <a:fld id="{B376EE29-1A90-1146-96FE-FD5979F1AFC2}" type="datetimeFigureOut">
               <a:rPr lang="en-US" smtClean="0"/>
-              <a:t>6/17/20</a:t>
+              <a:t>6/18/20</a:t>
             </a:fld>
             <a:endParaRPr lang="en-US"/>
           </a:p>
@@ -1725,7 +1725,7 @@
           <a:p>
             <a:fld id="{FAC8553D-62A4-B94A-B303-E17560B89933}" type="datetimeFigureOut">
               <a:rPr lang="en-US" smtClean="0"/>
-              <a:t>6/17/20</a:t>
+              <a:t>6/18/20</a:t>
             </a:fld>
             <a:endParaRPr lang="en-US"/>
           </a:p>
@@ -1923,7 +1923,7 @@
           <a:p>
             <a:fld id="{FAC8553D-62A4-B94A-B303-E17560B89933}" type="datetimeFigureOut">
               <a:rPr lang="en-US" smtClean="0"/>
-              <a:t>6/17/20</a:t>
+              <a:t>6/18/20</a:t>
             </a:fld>
             <a:endParaRPr lang="en-US"/>
           </a:p>
@@ -2131,7 +2131,7 @@
           <a:p>
             <a:fld id="{FAC8553D-62A4-B94A-B303-E17560B89933}" type="datetimeFigureOut">
               <a:rPr lang="en-US" smtClean="0"/>
-              <a:t>6/17/20</a:t>
+              <a:t>6/18/20</a:t>
             </a:fld>
             <a:endParaRPr lang="en-US"/>
           </a:p>
@@ -4761,7 +4761,7 @@
           <a:p>
             <a:fld id="{FAC8553D-62A4-B94A-B303-E17560B89933}" type="datetimeFigureOut">
               <a:rPr lang="en-US" smtClean="0"/>
-              <a:t>6/17/20</a:t>
+              <a:t>6/18/20</a:t>
             </a:fld>
             <a:endParaRPr lang="en-US"/>
           </a:p>
@@ -5036,7 +5036,7 @@
           <a:p>
             <a:fld id="{FAC8553D-62A4-B94A-B303-E17560B89933}" type="datetimeFigureOut">
               <a:rPr lang="en-US" smtClean="0"/>
-              <a:t>6/17/20</a:t>
+              <a:t>6/18/20</a:t>
             </a:fld>
             <a:endParaRPr lang="en-US"/>
           </a:p>
@@ -5301,7 +5301,7 @@
           <a:p>
             <a:fld id="{FAC8553D-62A4-B94A-B303-E17560B89933}" type="datetimeFigureOut">
               <a:rPr lang="en-US" smtClean="0"/>
-              <a:t>6/17/20</a:t>
+              <a:t>6/18/20</a:t>
             </a:fld>
             <a:endParaRPr lang="en-US"/>
           </a:p>
@@ -5713,7 +5713,7 @@
           <a:p>
             <a:fld id="{FAC8553D-62A4-B94A-B303-E17560B89933}" type="datetimeFigureOut">
               <a:rPr lang="en-US" smtClean="0"/>
-              <a:t>6/17/20</a:t>
+              <a:t>6/18/20</a:t>
             </a:fld>
             <a:endParaRPr lang="en-US"/>
           </a:p>
@@ -5854,7 +5854,7 @@
           <a:p>
             <a:fld id="{FAC8553D-62A4-B94A-B303-E17560B89933}" type="datetimeFigureOut">
               <a:rPr lang="en-US" smtClean="0"/>
-              <a:t>6/17/20</a:t>
+              <a:t>6/18/20</a:t>
             </a:fld>
             <a:endParaRPr lang="en-US"/>
           </a:p>
@@ -5967,7 +5967,7 @@
           <a:p>
             <a:fld id="{FAC8553D-62A4-B94A-B303-E17560B89933}" type="datetimeFigureOut">
               <a:rPr lang="en-US" smtClean="0"/>
-              <a:t>6/17/20</a:t>
+              <a:t>6/18/20</a:t>
             </a:fld>
             <a:endParaRPr lang="en-US"/>
           </a:p>
@@ -6278,7 +6278,7 @@
           <a:p>
             <a:fld id="{FAC8553D-62A4-B94A-B303-E17560B89933}" type="datetimeFigureOut">
               <a:rPr lang="en-US" smtClean="0"/>
-              <a:t>6/17/20</a:t>
+              <a:t>6/18/20</a:t>
             </a:fld>
             <a:endParaRPr lang="en-US"/>
           </a:p>
@@ -6566,7 +6566,7 @@
           <a:p>
             <a:fld id="{FAC8553D-62A4-B94A-B303-E17560B89933}" type="datetimeFigureOut">
               <a:rPr lang="en-US" smtClean="0"/>
-              <a:t>6/17/20</a:t>
+              <a:t>6/18/20</a:t>
             </a:fld>
             <a:endParaRPr lang="en-US"/>
           </a:p>
@@ -6819,7 +6819,7 @@
           <a:p>
             <a:fld id="{FAC8553D-62A4-B94A-B303-E17560B89933}" type="datetimeFigureOut">
               <a:rPr lang="en-US" smtClean="0"/>
-              <a:t>6/17/20</a:t>
+              <a:t>6/18/20</a:t>
             </a:fld>
             <a:endParaRPr lang="en-US"/>
           </a:p>
@@ -8287,6 +8287,43 @@
             </a:endParaRPr>
           </a:p>
           <a:p>
+            <a:pPr marL="380990" indent="-380990">
+              <a:buFont typeface="Arial" panose="020B0604020202020204" pitchFamily="34" charset="0"/>
+              <a:buChar char="•"/>
+            </a:pPr>
+            <a:r>
+              <a:rPr lang="en-US" sz="2400" dirty="0">
+                <a:solidFill>
+                  <a:schemeClr val="bg1"/>
+                </a:solidFill>
+                <a:hlinkClick r:id="rId5">
+                  <a:extLst>
+                    <a:ext uri="{A12FA001-AC4F-418D-AE19-62706E023703}">
+                      <ahyp:hlinkClr xmlns:ahyp="http://schemas.microsoft.com/office/drawing/2018/hyperlinkcolor" val="tx"/>
+                    </a:ext>
+                  </a:extLst>
+                </a:hlinkClick>
+              </a:rPr>
+              <a:t>https://testing-library.com/docs/dom-testing-library/api-queries</a:t>
+            </a:r>
+            <a:endParaRPr lang="en-US" sz="2400" dirty="0">
+              <a:solidFill>
+                <a:schemeClr val="bg1"/>
+              </a:solidFill>
+            </a:endParaRPr>
+          </a:p>
+          <a:p>
+            <a:pPr marL="380990" indent="-380990">
+              <a:buFont typeface="Arial" panose="020B0604020202020204" pitchFamily="34" charset="0"/>
+              <a:buChar char="•"/>
+            </a:pPr>
+            <a:endParaRPr lang="en-US" sz="2400" dirty="0">
+              <a:solidFill>
+                <a:schemeClr val="bg1"/>
+              </a:solidFill>
+            </a:endParaRPr>
+          </a:p>
+          <a:p>
             <a:pPr marL="0" indent="0">
               <a:buNone/>
             </a:pPr>
@@ -9280,7 +9317,7 @@
         </p:blipFill>
         <p:spPr>
           <a:xfrm>
-            <a:off x="1684099" y="1600926"/>
+            <a:off x="1684099" y="1342278"/>
             <a:ext cx="8813592" cy="4356832"/>
           </a:xfrm>
           <a:prstGeom prst="rect">
@@ -9288,6 +9325,56 @@
           </a:prstGeom>
         </p:spPr>
       </p:pic>
+      <p:sp>
+        <p:nvSpPr>
+          <p:cNvPr id="3" name="Rectangle 2">
+            <a:extLst>
+              <a:ext uri="{FF2B5EF4-FFF2-40B4-BE49-F238E27FC236}">
+                <a16:creationId xmlns:a16="http://schemas.microsoft.com/office/drawing/2014/main" id="{0E32E6F9-FD31-E54E-A2CE-ECC5133D6B08}"/>
+              </a:ext>
+            </a:extLst>
+          </p:cNvPr>
+          <p:cNvSpPr/>
+          <p:nvPr/>
+        </p:nvSpPr>
+        <p:spPr>
+          <a:xfrm>
+            <a:off x="3042895" y="6103868"/>
+            <a:ext cx="7454796" cy="369332"/>
+          </a:xfrm>
+          <a:prstGeom prst="rect">
+            <a:avLst/>
+          </a:prstGeom>
+        </p:spPr>
+        <p:txBody>
+          <a:bodyPr wrap="square">
+            <a:spAutoFit/>
+          </a:bodyPr>
+          <a:lstStyle/>
+          <a:p>
+            <a:r>
+              <a:rPr lang="en-US" dirty="0">
+                <a:solidFill>
+                  <a:schemeClr val="accent2"/>
+                </a:solidFill>
+                <a:hlinkClick r:id="rId3">
+                  <a:extLst>
+                    <a:ext uri="{A12FA001-AC4F-418D-AE19-62706E023703}">
+                      <ahyp:hlinkClr xmlns:ahyp="http://schemas.microsoft.com/office/drawing/2018/hyperlinkcolor" val="tx"/>
+                    </a:ext>
+                  </a:extLst>
+                </a:hlinkClick>
+              </a:rPr>
+              <a:t>https://testing-library.com/docs/dom-testing-library/api-queries</a:t>
+            </a:r>
+            <a:endParaRPr lang="en-US" dirty="0">
+              <a:solidFill>
+                <a:schemeClr val="accent2"/>
+              </a:solidFill>
+            </a:endParaRPr>
+          </a:p>
+        </p:txBody>
+      </p:sp>
     </p:spTree>
     <p:extLst>
       <p:ext uri="{BB962C8B-B14F-4D97-AF65-F5344CB8AC3E}">
@@ -9349,10 +9436,10 @@
       </p:sp>
       <p:pic>
         <p:nvPicPr>
-          <p:cNvPr id="4" name="Picture 3">
+          <p:cNvPr id="3" name="Picture 2">
             <a:extLst>
               <a:ext uri="{FF2B5EF4-FFF2-40B4-BE49-F238E27FC236}">
-                <a16:creationId xmlns:a16="http://schemas.microsoft.com/office/drawing/2014/main" id="{C6E18280-63DD-B54B-B691-C3AB6BD3CB65}"/>
+                <a16:creationId xmlns:a16="http://schemas.microsoft.com/office/drawing/2014/main" id="{65B203A4-F7E3-8D43-90FF-47B3226B82FD}"/>
               </a:ext>
             </a:extLst>
           </p:cNvPr>
@@ -9369,64 +9456,14 @@
         </p:blipFill>
         <p:spPr>
           <a:xfrm>
-            <a:off x="469900" y="1739900"/>
-            <a:ext cx="11252200" cy="3378200"/>
+            <a:off x="497785" y="2617106"/>
+            <a:ext cx="10918633" cy="1775279"/>
           </a:xfrm>
           <a:prstGeom prst="rect">
             <a:avLst/>
           </a:prstGeom>
         </p:spPr>
       </p:pic>
-      <p:sp>
-        <p:nvSpPr>
-          <p:cNvPr id="5" name="Rectangle 4">
-            <a:extLst>
-              <a:ext uri="{FF2B5EF4-FFF2-40B4-BE49-F238E27FC236}">
-                <a16:creationId xmlns:a16="http://schemas.microsoft.com/office/drawing/2014/main" id="{4B886F47-6FE8-054B-9602-AEC3AA949CB8}"/>
-              </a:ext>
-            </a:extLst>
-          </p:cNvPr>
-          <p:cNvSpPr/>
-          <p:nvPr/>
-        </p:nvSpPr>
-        <p:spPr>
-          <a:xfrm>
-            <a:off x="3915123" y="5920480"/>
-            <a:ext cx="3792128" cy="369332"/>
-          </a:xfrm>
-          <a:prstGeom prst="rect">
-            <a:avLst/>
-          </a:prstGeom>
-        </p:spPr>
-        <p:txBody>
-          <a:bodyPr wrap="none">
-            <a:spAutoFit/>
-          </a:bodyPr>
-          <a:lstStyle/>
-          <a:p>
-            <a:r>
-              <a:rPr lang="en-US" dirty="0">
-                <a:solidFill>
-                  <a:srgbClr val="FFC000"/>
-                </a:solidFill>
-                <a:hlinkClick r:id="rId3">
-                  <a:extLst>
-                    <a:ext uri="{A12FA001-AC4F-418D-AE19-62706E023703}">
-                      <ahyp:hlinkClr xmlns:ahyp="http://schemas.microsoft.com/office/drawing/2018/hyperlinkcolor" val="tx"/>
-                    </a:ext>
-                  </a:extLst>
-                </a:hlinkClick>
-              </a:rPr>
-              <a:t>https://jestjs.io/docs/en/tutorial-react</a:t>
-            </a:r>
-            <a:endParaRPr lang="en-US" dirty="0">
-              <a:solidFill>
-                <a:srgbClr val="FFC000"/>
-              </a:solidFill>
-            </a:endParaRPr>
-          </a:p>
-        </p:txBody>
-      </p:sp>
     </p:spTree>
     <p:extLst>
       <p:ext uri="{BB962C8B-B14F-4D97-AF65-F5344CB8AC3E}">
